--- a/presentations/2020-11 Webinars/FHIR Terminology - Part 2.pptx
+++ b/presentations/2020-11 Webinars/FHIR Terminology - Part 2.pptx
@@ -11455,7 +11455,13 @@
               <a:rPr lang="en-US" sz="1800" dirty="0">
                 <a:hlinkClick r:id="rId2"/>
               </a:rPr>
-              <a:t>https://github.com/FHIR/documents/blob/master/presentations/2020-11%20Webinars/FHIR%20Terminology%20-%20Part%202.pptx</a:t>
+              <a:t>https://github.com</a:t>
+            </a:r>
+            <a:r>
+              <a:rPr lang="en-US" sz="1800">
+                <a:hlinkClick r:id="rId2"/>
+              </a:rPr>
+              <a:t>/FHIR/documents/blob/master/presentations/2020-11%20Webinars/FHIR%20Terminology%20-%20Part%202.pptx</a:t>
             </a:r>
             <a:endParaRPr lang="en-US" sz="1800" dirty="0"/>
           </a:p>
